--- a/nginx-2019/img/api-internal-external.pptx
+++ b/nginx-2019/img/api-internal-external.pptx
@@ -104,6 +104,11 @@
       </a:defRPr>
     </a:lvl9pPr>
   </p:defaultTextStyle>
+  <p:extLst>
+    <p:ext uri="{EFAFB233-063F-42B5-8137-9DF3F51BA10A}">
+      <p15:sldGuideLst xmlns:p15="http://schemas.microsoft.com/office/powerpoint/2012/main"/>
+    </p:ext>
+  </p:extLst>
 </p:presentation>
 </file>
 
@@ -254,7 +259,7 @@
           <a:p>
             <a:fld id="{D4ECE601-2135-CC44-841A-C31560BEC2A6}" type="datetimeFigureOut">
               <a:rPr lang="en-US" smtClean="0"/>
-              <a:t>9/2/19</a:t>
+              <a:t>9/3/19</a:t>
             </a:fld>
             <a:endParaRPr lang="en-US"/>
           </a:p>
@@ -452,7 +457,7 @@
           <a:p>
             <a:fld id="{D4ECE601-2135-CC44-841A-C31560BEC2A6}" type="datetimeFigureOut">
               <a:rPr lang="en-US" smtClean="0"/>
-              <a:t>9/2/19</a:t>
+              <a:t>9/3/19</a:t>
             </a:fld>
             <a:endParaRPr lang="en-US"/>
           </a:p>
@@ -660,7 +665,7 @@
           <a:p>
             <a:fld id="{D4ECE601-2135-CC44-841A-C31560BEC2A6}" type="datetimeFigureOut">
               <a:rPr lang="en-US" smtClean="0"/>
-              <a:t>9/2/19</a:t>
+              <a:t>9/3/19</a:t>
             </a:fld>
             <a:endParaRPr lang="en-US"/>
           </a:p>
@@ -858,7 +863,7 @@
           <a:p>
             <a:fld id="{D4ECE601-2135-CC44-841A-C31560BEC2A6}" type="datetimeFigureOut">
               <a:rPr lang="en-US" smtClean="0"/>
-              <a:t>9/2/19</a:t>
+              <a:t>9/3/19</a:t>
             </a:fld>
             <a:endParaRPr lang="en-US"/>
           </a:p>
@@ -1133,7 +1138,7 @@
           <a:p>
             <a:fld id="{D4ECE601-2135-CC44-841A-C31560BEC2A6}" type="datetimeFigureOut">
               <a:rPr lang="en-US" smtClean="0"/>
-              <a:t>9/2/19</a:t>
+              <a:t>9/3/19</a:t>
             </a:fld>
             <a:endParaRPr lang="en-US"/>
           </a:p>
@@ -1398,7 +1403,7 @@
           <a:p>
             <a:fld id="{D4ECE601-2135-CC44-841A-C31560BEC2A6}" type="datetimeFigureOut">
               <a:rPr lang="en-US" smtClean="0"/>
-              <a:t>9/2/19</a:t>
+              <a:t>9/3/19</a:t>
             </a:fld>
             <a:endParaRPr lang="en-US"/>
           </a:p>
@@ -1810,7 +1815,7 @@
           <a:p>
             <a:fld id="{D4ECE601-2135-CC44-841A-C31560BEC2A6}" type="datetimeFigureOut">
               <a:rPr lang="en-US" smtClean="0"/>
-              <a:t>9/2/19</a:t>
+              <a:t>9/3/19</a:t>
             </a:fld>
             <a:endParaRPr lang="en-US"/>
           </a:p>
@@ -1951,7 +1956,7 @@
           <a:p>
             <a:fld id="{D4ECE601-2135-CC44-841A-C31560BEC2A6}" type="datetimeFigureOut">
               <a:rPr lang="en-US" smtClean="0"/>
-              <a:t>9/2/19</a:t>
+              <a:t>9/3/19</a:t>
             </a:fld>
             <a:endParaRPr lang="en-US"/>
           </a:p>
@@ -2064,7 +2069,7 @@
           <a:p>
             <a:fld id="{D4ECE601-2135-CC44-841A-C31560BEC2A6}" type="datetimeFigureOut">
               <a:rPr lang="en-US" smtClean="0"/>
-              <a:t>9/2/19</a:t>
+              <a:t>9/3/19</a:t>
             </a:fld>
             <a:endParaRPr lang="en-US"/>
           </a:p>
@@ -2375,7 +2380,7 @@
           <a:p>
             <a:fld id="{D4ECE601-2135-CC44-841A-C31560BEC2A6}" type="datetimeFigureOut">
               <a:rPr lang="en-US" smtClean="0"/>
-              <a:t>9/2/19</a:t>
+              <a:t>9/3/19</a:t>
             </a:fld>
             <a:endParaRPr lang="en-US"/>
           </a:p>
@@ -2663,7 +2668,7 @@
           <a:p>
             <a:fld id="{D4ECE601-2135-CC44-841A-C31560BEC2A6}" type="datetimeFigureOut">
               <a:rPr lang="en-US" smtClean="0"/>
-              <a:t>9/2/19</a:t>
+              <a:t>9/3/19</a:t>
             </a:fld>
             <a:endParaRPr lang="en-US"/>
           </a:p>
@@ -2904,7 +2909,7 @@
           <a:p>
             <a:fld id="{D4ECE601-2135-CC44-841A-C31560BEC2A6}" type="datetimeFigureOut">
               <a:rPr lang="en-US" smtClean="0"/>
-              <a:t>9/2/19</a:t>
+              <a:t>9/3/19</a:t>
             </a:fld>
             <a:endParaRPr lang="en-US"/>
           </a:p>
@@ -3427,59 +3432,303 @@
       </p:sp>
       <p:sp>
         <p:nvSpPr>
-          <p:cNvPr id="15" name="Rectangle 14">
-            <a:extLst>
-              <a:ext uri="{FF2B5EF4-FFF2-40B4-BE49-F238E27FC236}">
-                <a16:creationId xmlns:a16="http://schemas.microsoft.com/office/drawing/2014/main" id="{F128E7EF-09DD-9C45-8D35-1BD9731DFA1C}"/>
-              </a:ext>
-            </a:extLst>
-          </p:cNvPr>
-          <p:cNvSpPr/>
+          <p:cNvPr id="7" name="TextBox 6">
+            <a:extLst>
+              <a:ext uri="{FF2B5EF4-FFF2-40B4-BE49-F238E27FC236}">
+                <a16:creationId xmlns:a16="http://schemas.microsoft.com/office/drawing/2014/main" id="{AFF76021-AE9F-A643-AFAF-2C1BB78CE2A8}"/>
+              </a:ext>
+            </a:extLst>
+          </p:cNvPr>
+          <p:cNvSpPr txBox="1"/>
           <p:nvPr/>
         </p:nvSpPr>
         <p:spPr>
           <a:xfrm>
-            <a:off x="2257412" y="757912"/>
-            <a:ext cx="5400000" cy="1800000"/>
+            <a:off x="8089875" y="1106833"/>
+            <a:ext cx="1503938" cy="954107"/>
           </a:xfrm>
           <a:prstGeom prst="rect">
             <a:avLst/>
           </a:prstGeom>
-          <a:solidFill>
-            <a:schemeClr val="accent1">
-              <a:lumMod val="40000"/>
-              <a:lumOff val="60000"/>
-            </a:schemeClr>
-          </a:solidFill>
-          <a:ln>
-            <a:noFill/>
+          <a:noFill/>
+        </p:spPr>
+        <p:txBody>
+          <a:bodyPr wrap="none" rtlCol="0">
+            <a:spAutoFit/>
+          </a:bodyPr>
+          <a:lstStyle/>
+          <a:p>
+            <a:pPr algn="ctr"/>
+            <a:r>
+              <a:rPr lang="en-US" sz="2800" dirty="0">
+                <a:latin typeface="Helvetica" pitchFamily="2" charset="0"/>
+              </a:rPr>
+              <a:t>External</a:t>
+            </a:r>
+          </a:p>
+          <a:p>
+            <a:pPr algn="ctr"/>
+            <a:r>
+              <a:rPr lang="en-US" sz="2800" dirty="0">
+                <a:latin typeface="Helvetica" pitchFamily="2" charset="0"/>
+              </a:rPr>
+              <a:t>API</a:t>
+            </a:r>
+          </a:p>
+        </p:txBody>
+      </p:sp>
+      <p:sp>
+        <p:nvSpPr>
+          <p:cNvPr id="28" name="TextBox 27">
+            <a:extLst>
+              <a:ext uri="{FF2B5EF4-FFF2-40B4-BE49-F238E27FC236}">
+                <a16:creationId xmlns:a16="http://schemas.microsoft.com/office/drawing/2014/main" id="{F5BB09A4-1EEF-C64B-A4D3-C4EF7BC5C224}"/>
+              </a:ext>
+            </a:extLst>
+          </p:cNvPr>
+          <p:cNvSpPr txBox="1"/>
+          <p:nvPr/>
+        </p:nvSpPr>
+        <p:spPr>
+          <a:xfrm>
+            <a:off x="8149187" y="4732880"/>
+            <a:ext cx="1385316" cy="954107"/>
+          </a:xfrm>
+          <a:prstGeom prst="rect">
+            <a:avLst/>
+          </a:prstGeom>
+          <a:noFill/>
+        </p:spPr>
+        <p:txBody>
+          <a:bodyPr wrap="none" rtlCol="0">
+            <a:spAutoFit/>
+          </a:bodyPr>
+          <a:lstStyle/>
+          <a:p>
+            <a:pPr algn="ctr"/>
+            <a:r>
+              <a:rPr lang="en-US" sz="2800" dirty="0">
+                <a:latin typeface="Helvetica" pitchFamily="2" charset="0"/>
+              </a:rPr>
+              <a:t>Internal</a:t>
+            </a:r>
+          </a:p>
+          <a:p>
+            <a:pPr algn="ctr"/>
+            <a:r>
+              <a:rPr lang="en-US" sz="2800" dirty="0">
+                <a:latin typeface="Helvetica" pitchFamily="2" charset="0"/>
+              </a:rPr>
+              <a:t>API</a:t>
+            </a:r>
+          </a:p>
+        </p:txBody>
+      </p:sp>
+      <p:cxnSp>
+        <p:nvCxnSpPr>
+          <p:cNvPr id="29" name="Straight Connector 28">
+            <a:extLst>
+              <a:ext uri="{FF2B5EF4-FFF2-40B4-BE49-F238E27FC236}">
+                <a16:creationId xmlns:a16="http://schemas.microsoft.com/office/drawing/2014/main" id="{D4F2D5CA-F974-FA40-935F-0E5D81873362}"/>
+              </a:ext>
+            </a:extLst>
+          </p:cNvPr>
+          <p:cNvCxnSpPr>
+            <a:cxnSpLocks/>
+            <a:stCxn id="25" idx="2"/>
+            <a:endCxn id="26" idx="5"/>
+          </p:cNvCxnSpPr>
+          <p:nvPr/>
+        </p:nvCxnSpPr>
+        <p:spPr>
+          <a:xfrm flipH="1" flipV="1">
+            <a:off x="3394475" y="5245522"/>
+            <a:ext cx="476910" cy="210052"/>
+          </a:xfrm>
+          <a:prstGeom prst="line">
+            <a:avLst/>
+          </a:prstGeom>
+          <a:ln w="28575">
+            <a:solidFill>
+              <a:schemeClr val="accent1">
+                <a:lumMod val="50000"/>
+              </a:schemeClr>
+            </a:solidFill>
           </a:ln>
         </p:spPr>
         <p:style>
-          <a:lnRef idx="2">
-            <a:schemeClr val="accent1">
-              <a:shade val="50000"/>
-            </a:schemeClr>
+          <a:lnRef idx="1">
+            <a:schemeClr val="accent1"/>
           </a:lnRef>
-          <a:fillRef idx="1">
+          <a:fillRef idx="0">
             <a:schemeClr val="accent1"/>
           </a:fillRef>
           <a:effectRef idx="0">
             <a:schemeClr val="accent1"/>
           </a:effectRef>
           <a:fontRef idx="minor">
-            <a:schemeClr val="lt1"/>
+            <a:schemeClr val="tx1"/>
           </a:fontRef>
         </p:style>
-        <p:txBody>
-          <a:bodyPr rtlCol="0" anchor="ctr"/>
-          <a:lstStyle/>
-          <a:p>
-            <a:pPr algn="ctr"/>
-            <a:endParaRPr lang="en-US" dirty="0"/>
-          </a:p>
-        </p:txBody>
-      </p:sp>
+      </p:cxnSp>
+      <p:grpSp>
+        <p:nvGrpSpPr>
+          <p:cNvPr id="58" name="Group 57">
+            <a:extLst>
+              <a:ext uri="{FF2B5EF4-FFF2-40B4-BE49-F238E27FC236}">
+                <a16:creationId xmlns:a16="http://schemas.microsoft.com/office/drawing/2014/main" id="{7404B23F-BEBB-3040-A7B4-A8F3756C2B25}"/>
+              </a:ext>
+            </a:extLst>
+          </p:cNvPr>
+          <p:cNvGrpSpPr/>
+          <p:nvPr/>
+        </p:nvGrpSpPr>
+        <p:grpSpPr>
+          <a:xfrm>
+            <a:off x="2263399" y="801955"/>
+            <a:ext cx="7588902" cy="2078600"/>
+            <a:chOff x="4063639" y="764836"/>
+            <a:chExt cx="7588902" cy="2078600"/>
+          </a:xfrm>
+        </p:grpSpPr>
+        <p:sp>
+          <p:nvSpPr>
+            <p:cNvPr id="15" name="Rectangle 14">
+              <a:extLst>
+                <a:ext uri="{FF2B5EF4-FFF2-40B4-BE49-F238E27FC236}">
+                  <a16:creationId xmlns:a16="http://schemas.microsoft.com/office/drawing/2014/main" id="{F128E7EF-09DD-9C45-8D35-1BD9731DFA1C}"/>
+                </a:ext>
+              </a:extLst>
+            </p:cNvPr>
+            <p:cNvSpPr/>
+            <p:nvPr/>
+          </p:nvSpPr>
+          <p:spPr>
+            <a:xfrm>
+              <a:off x="4063639" y="764836"/>
+              <a:ext cx="5400000" cy="1800000"/>
+            </a:xfrm>
+            <a:prstGeom prst="rect">
+              <a:avLst/>
+            </a:prstGeom>
+            <a:solidFill>
+              <a:schemeClr val="accent1">
+                <a:lumMod val="40000"/>
+                <a:lumOff val="60000"/>
+              </a:schemeClr>
+            </a:solidFill>
+            <a:ln>
+              <a:noFill/>
+            </a:ln>
+          </p:spPr>
+          <p:style>
+            <a:lnRef idx="2">
+              <a:schemeClr val="accent1">
+                <a:shade val="50000"/>
+              </a:schemeClr>
+            </a:lnRef>
+            <a:fillRef idx="1">
+              <a:schemeClr val="accent1"/>
+            </a:fillRef>
+            <a:effectRef idx="0">
+              <a:schemeClr val="accent1"/>
+            </a:effectRef>
+            <a:fontRef idx="minor">
+              <a:schemeClr val="lt1"/>
+            </a:fontRef>
+          </p:style>
+          <p:txBody>
+            <a:bodyPr rtlCol="0" anchor="ctr"/>
+            <a:lstStyle/>
+            <a:p>
+              <a:pPr algn="ctr"/>
+              <a:endParaRPr lang="en-US" dirty="0"/>
+            </a:p>
+          </p:txBody>
+        </p:sp>
+        <p:cxnSp>
+          <p:nvCxnSpPr>
+            <p:cNvPr id="50" name="Straight Connector 49">
+              <a:extLst>
+                <a:ext uri="{FF2B5EF4-FFF2-40B4-BE49-F238E27FC236}">
+                  <a16:creationId xmlns:a16="http://schemas.microsoft.com/office/drawing/2014/main" id="{845C8B0C-32A5-7245-A579-D648F75BEBE6}"/>
+                </a:ext>
+              </a:extLst>
+            </p:cNvPr>
+            <p:cNvCxnSpPr>
+              <a:cxnSpLocks/>
+            </p:cNvCxnSpPr>
+            <p:nvPr/>
+          </p:nvCxnSpPr>
+          <p:spPr>
+            <a:xfrm flipV="1">
+              <a:off x="4063639" y="2544064"/>
+              <a:ext cx="7588902" cy="6924"/>
+            </a:xfrm>
+            <a:prstGeom prst="line">
+              <a:avLst/>
+            </a:prstGeom>
+            <a:ln w="76200">
+              <a:solidFill>
+                <a:schemeClr val="accent1">
+                  <a:lumMod val="60000"/>
+                  <a:lumOff val="40000"/>
+                </a:schemeClr>
+              </a:solidFill>
+            </a:ln>
+          </p:spPr>
+          <p:style>
+            <a:lnRef idx="1">
+              <a:schemeClr val="accent1"/>
+            </a:lnRef>
+            <a:fillRef idx="0">
+              <a:schemeClr val="accent1"/>
+            </a:fillRef>
+            <a:effectRef idx="0">
+              <a:schemeClr val="accent1"/>
+            </a:effectRef>
+            <a:fontRef idx="minor">
+              <a:schemeClr val="tx1"/>
+            </a:fontRef>
+          </p:style>
+        </p:cxnSp>
+        <p:pic>
+          <p:nvPicPr>
+            <p:cNvPr id="55" name="Graphic 54" descr="Money">
+              <a:extLst>
+                <a:ext uri="{FF2B5EF4-FFF2-40B4-BE49-F238E27FC236}">
+                  <a16:creationId xmlns:a16="http://schemas.microsoft.com/office/drawing/2014/main" id="{9312488B-E8F2-014C-950D-16760B547CAF}"/>
+                </a:ext>
+              </a:extLst>
+            </p:cNvPr>
+            <p:cNvPicPr>
+              <a:picLocks noChangeAspect="1"/>
+            </p:cNvPicPr>
+            <p:nvPr/>
+          </p:nvPicPr>
+          <p:blipFill>
+            <a:blip r:embed="rId2">
+              <a:extLst>
+                <a:ext uri="{96DAC541-7B7A-43D3-8B79-37D633B846F1}">
+                  <asvg:svgBlip xmlns:asvg="http://schemas.microsoft.com/office/drawing/2016/SVG/main" r:embed="rId3"/>
+                </a:ext>
+              </a:extLst>
+            </a:blip>
+            <a:stretch>
+              <a:fillRect/>
+            </a:stretch>
+          </p:blipFill>
+          <p:spPr>
+            <a:xfrm>
+              <a:off x="10820119" y="2165008"/>
+              <a:ext cx="678428" cy="678428"/>
+            </a:xfrm>
+            <a:prstGeom prst="rect">
+              <a:avLst/>
+            </a:prstGeom>
+          </p:spPr>
+        </p:pic>
+      </p:grpSp>
       <p:sp>
         <p:nvSpPr>
           <p:cNvPr id="6" name="Frame 5">
@@ -3544,6 +3793,572 @@
           </a:p>
         </p:txBody>
       </p:sp>
+      <p:cxnSp>
+        <p:nvCxnSpPr>
+          <p:cNvPr id="9" name="Straight Connector 8">
+            <a:extLst>
+              <a:ext uri="{FF2B5EF4-FFF2-40B4-BE49-F238E27FC236}">
+                <a16:creationId xmlns:a16="http://schemas.microsoft.com/office/drawing/2014/main" id="{C90FDF35-23C8-5D47-87D7-C26F4BD7A81D}"/>
+              </a:ext>
+            </a:extLst>
+          </p:cNvPr>
+          <p:cNvCxnSpPr>
+            <a:cxnSpLocks/>
+            <a:stCxn id="26" idx="0"/>
+            <a:endCxn id="22" idx="3"/>
+          </p:cNvCxnSpPr>
+          <p:nvPr/>
+        </p:nvCxnSpPr>
+        <p:spPr>
+          <a:xfrm flipV="1">
+            <a:off x="3127189" y="3372510"/>
+            <a:ext cx="644209" cy="1227726"/>
+          </a:xfrm>
+          <a:prstGeom prst="line">
+            <a:avLst/>
+          </a:prstGeom>
+          <a:ln w="28575">
+            <a:solidFill>
+              <a:schemeClr val="accent1">
+                <a:lumMod val="50000"/>
+              </a:schemeClr>
+            </a:solidFill>
+          </a:ln>
+        </p:spPr>
+        <p:style>
+          <a:lnRef idx="1">
+            <a:schemeClr val="accent1"/>
+          </a:lnRef>
+          <a:fillRef idx="0">
+            <a:schemeClr val="accent1"/>
+          </a:fillRef>
+          <a:effectRef idx="0">
+            <a:schemeClr val="accent1"/>
+          </a:effectRef>
+          <a:fontRef idx="minor">
+            <a:schemeClr val="tx1"/>
+          </a:fontRef>
+        </p:style>
+      </p:cxnSp>
+      <p:cxnSp>
+        <p:nvCxnSpPr>
+          <p:cNvPr id="30" name="Straight Connector 29">
+            <a:extLst>
+              <a:ext uri="{FF2B5EF4-FFF2-40B4-BE49-F238E27FC236}">
+                <a16:creationId xmlns:a16="http://schemas.microsoft.com/office/drawing/2014/main" id="{C1631E5B-6089-EE49-9629-B9F1AF647197}"/>
+              </a:ext>
+            </a:extLst>
+          </p:cNvPr>
+          <p:cNvCxnSpPr>
+            <a:cxnSpLocks/>
+            <a:stCxn id="19" idx="4"/>
+            <a:endCxn id="24" idx="0"/>
+          </p:cNvCxnSpPr>
+          <p:nvPr/>
+        </p:nvCxnSpPr>
+        <p:spPr>
+          <a:xfrm>
+            <a:off x="4441639" y="1870086"/>
+            <a:ext cx="1002093" cy="2682901"/>
+          </a:xfrm>
+          <a:prstGeom prst="line">
+            <a:avLst/>
+          </a:prstGeom>
+          <a:ln w="28575">
+            <a:solidFill>
+              <a:schemeClr val="accent1">
+                <a:lumMod val="50000"/>
+              </a:schemeClr>
+            </a:solidFill>
+          </a:ln>
+        </p:spPr>
+        <p:style>
+          <a:lnRef idx="1">
+            <a:schemeClr val="accent1"/>
+          </a:lnRef>
+          <a:fillRef idx="0">
+            <a:schemeClr val="accent1"/>
+          </a:fillRef>
+          <a:effectRef idx="0">
+            <a:schemeClr val="accent1"/>
+          </a:effectRef>
+          <a:fontRef idx="minor">
+            <a:schemeClr val="tx1"/>
+          </a:fontRef>
+        </p:style>
+      </p:cxnSp>
+      <p:cxnSp>
+        <p:nvCxnSpPr>
+          <p:cNvPr id="34" name="Straight Connector 33">
+            <a:extLst>
+              <a:ext uri="{FF2B5EF4-FFF2-40B4-BE49-F238E27FC236}">
+                <a16:creationId xmlns:a16="http://schemas.microsoft.com/office/drawing/2014/main" id="{7FAF4DD7-D3CA-5448-BE7C-F8088EDEC49A}"/>
+              </a:ext>
+            </a:extLst>
+          </p:cNvPr>
+          <p:cNvCxnSpPr>
+            <a:cxnSpLocks/>
+            <a:stCxn id="23" idx="4"/>
+            <a:endCxn id="27" idx="0"/>
+          </p:cNvCxnSpPr>
+          <p:nvPr/>
+        </p:nvCxnSpPr>
+        <p:spPr>
+          <a:xfrm>
+            <a:off x="6100752" y="4145960"/>
+            <a:ext cx="518604" cy="785027"/>
+          </a:xfrm>
+          <a:prstGeom prst="line">
+            <a:avLst/>
+          </a:prstGeom>
+          <a:ln w="28575">
+            <a:solidFill>
+              <a:schemeClr val="accent1">
+                <a:lumMod val="50000"/>
+              </a:schemeClr>
+            </a:solidFill>
+          </a:ln>
+        </p:spPr>
+        <p:style>
+          <a:lnRef idx="1">
+            <a:schemeClr val="accent1"/>
+          </a:lnRef>
+          <a:fillRef idx="0">
+            <a:schemeClr val="accent1"/>
+          </a:fillRef>
+          <a:effectRef idx="0">
+            <a:schemeClr val="accent1"/>
+          </a:effectRef>
+          <a:fontRef idx="minor">
+            <a:schemeClr val="tx1"/>
+          </a:fontRef>
+        </p:style>
+      </p:cxnSp>
+      <p:cxnSp>
+        <p:nvCxnSpPr>
+          <p:cNvPr id="38" name="Straight Connector 37">
+            <a:extLst>
+              <a:ext uri="{FF2B5EF4-FFF2-40B4-BE49-F238E27FC236}">
+                <a16:creationId xmlns:a16="http://schemas.microsoft.com/office/drawing/2014/main" id="{A9898849-0865-0C42-8905-BA3D94C8132B}"/>
+              </a:ext>
+            </a:extLst>
+          </p:cNvPr>
+          <p:cNvCxnSpPr>
+            <a:cxnSpLocks/>
+            <a:stCxn id="23" idx="0"/>
+            <a:endCxn id="20" idx="4"/>
+          </p:cNvCxnSpPr>
+          <p:nvPr/>
+        </p:nvCxnSpPr>
+        <p:spPr>
+          <a:xfrm flipH="1" flipV="1">
+            <a:off x="5722752" y="2296912"/>
+            <a:ext cx="378000" cy="1093048"/>
+          </a:xfrm>
+          <a:prstGeom prst="line">
+            <a:avLst/>
+          </a:prstGeom>
+          <a:ln w="28575">
+            <a:solidFill>
+              <a:schemeClr val="accent1">
+                <a:lumMod val="50000"/>
+              </a:schemeClr>
+            </a:solidFill>
+          </a:ln>
+        </p:spPr>
+        <p:style>
+          <a:lnRef idx="1">
+            <a:schemeClr val="accent1"/>
+          </a:lnRef>
+          <a:fillRef idx="0">
+            <a:schemeClr val="accent1"/>
+          </a:fillRef>
+          <a:effectRef idx="0">
+            <a:schemeClr val="accent1"/>
+          </a:effectRef>
+          <a:fontRef idx="minor">
+            <a:schemeClr val="tx1"/>
+          </a:fontRef>
+        </p:style>
+      </p:cxnSp>
+      <p:cxnSp>
+        <p:nvCxnSpPr>
+          <p:cNvPr id="41" name="Straight Connector 40">
+            <a:extLst>
+              <a:ext uri="{FF2B5EF4-FFF2-40B4-BE49-F238E27FC236}">
+                <a16:creationId xmlns:a16="http://schemas.microsoft.com/office/drawing/2014/main" id="{96C7787E-6CAB-6544-9FC5-7DAA9A42784A}"/>
+              </a:ext>
+            </a:extLst>
+          </p:cNvPr>
+          <p:cNvCxnSpPr>
+            <a:cxnSpLocks/>
+            <a:stCxn id="22" idx="0"/>
+            <a:endCxn id="17" idx="4"/>
+          </p:cNvCxnSpPr>
+          <p:nvPr/>
+        </p:nvCxnSpPr>
+        <p:spPr>
+          <a:xfrm flipH="1" flipV="1">
+            <a:off x="3160526" y="2035912"/>
+            <a:ext cx="878158" cy="691312"/>
+          </a:xfrm>
+          <a:prstGeom prst="line">
+            <a:avLst/>
+          </a:prstGeom>
+          <a:ln w="28575">
+            <a:solidFill>
+              <a:schemeClr val="accent1">
+                <a:lumMod val="50000"/>
+              </a:schemeClr>
+            </a:solidFill>
+          </a:ln>
+        </p:spPr>
+        <p:style>
+          <a:lnRef idx="1">
+            <a:schemeClr val="accent1"/>
+          </a:lnRef>
+          <a:fillRef idx="0">
+            <a:schemeClr val="accent1"/>
+          </a:fillRef>
+          <a:effectRef idx="0">
+            <a:schemeClr val="accent1"/>
+          </a:effectRef>
+          <a:fontRef idx="minor">
+            <a:schemeClr val="tx1"/>
+          </a:fontRef>
+        </p:style>
+      </p:cxnSp>
+      <p:cxnSp>
+        <p:nvCxnSpPr>
+          <p:cNvPr id="46" name="Straight Connector 45">
+            <a:extLst>
+              <a:ext uri="{FF2B5EF4-FFF2-40B4-BE49-F238E27FC236}">
+                <a16:creationId xmlns:a16="http://schemas.microsoft.com/office/drawing/2014/main" id="{2BB31153-EFEE-4D4C-8F3C-741D68978A35}"/>
+              </a:ext>
+            </a:extLst>
+          </p:cNvPr>
+          <p:cNvCxnSpPr>
+            <a:cxnSpLocks/>
+            <a:stCxn id="21" idx="4"/>
+            <a:endCxn id="27" idx="7"/>
+          </p:cNvCxnSpPr>
+          <p:nvPr/>
+        </p:nvCxnSpPr>
+        <p:spPr>
+          <a:xfrm>
+            <a:off x="6879082" y="1870086"/>
+            <a:ext cx="7560" cy="3171615"/>
+          </a:xfrm>
+          <a:prstGeom prst="line">
+            <a:avLst/>
+          </a:prstGeom>
+          <a:ln w="28575">
+            <a:solidFill>
+              <a:schemeClr val="accent1">
+                <a:lumMod val="50000"/>
+              </a:schemeClr>
+            </a:solidFill>
+          </a:ln>
+        </p:spPr>
+        <p:style>
+          <a:lnRef idx="1">
+            <a:schemeClr val="accent1"/>
+          </a:lnRef>
+          <a:fillRef idx="0">
+            <a:schemeClr val="accent1"/>
+          </a:fillRef>
+          <a:effectRef idx="0">
+            <a:schemeClr val="accent1"/>
+          </a:effectRef>
+          <a:fontRef idx="minor">
+            <a:schemeClr val="tx1"/>
+          </a:fontRef>
+        </p:style>
+      </p:cxnSp>
+      <p:sp>
+        <p:nvSpPr>
+          <p:cNvPr id="24" name="Oval 23">
+            <a:extLst>
+              <a:ext uri="{FF2B5EF4-FFF2-40B4-BE49-F238E27FC236}">
+                <a16:creationId xmlns:a16="http://schemas.microsoft.com/office/drawing/2014/main" id="{15129A72-702A-534C-886A-630FDA14C184}"/>
+              </a:ext>
+            </a:extLst>
+          </p:cNvPr>
+          <p:cNvSpPr/>
+          <p:nvPr/>
+        </p:nvSpPr>
+        <p:spPr>
+          <a:xfrm>
+            <a:off x="5065732" y="4552987"/>
+            <a:ext cx="756000" cy="756000"/>
+          </a:xfrm>
+          <a:prstGeom prst="ellipse">
+            <a:avLst/>
+          </a:prstGeom>
+          <a:solidFill>
+            <a:schemeClr val="accent5">
+              <a:lumMod val="20000"/>
+              <a:lumOff val="80000"/>
+            </a:schemeClr>
+          </a:solidFill>
+          <a:ln>
+            <a:solidFill>
+              <a:schemeClr val="tx1">
+                <a:lumMod val="85000"/>
+                <a:lumOff val="15000"/>
+              </a:schemeClr>
+            </a:solidFill>
+          </a:ln>
+        </p:spPr>
+        <p:style>
+          <a:lnRef idx="2">
+            <a:schemeClr val="accent1">
+              <a:shade val="50000"/>
+            </a:schemeClr>
+          </a:lnRef>
+          <a:fillRef idx="1">
+            <a:schemeClr val="accent1"/>
+          </a:fillRef>
+          <a:effectRef idx="0">
+            <a:schemeClr val="accent1"/>
+          </a:effectRef>
+          <a:fontRef idx="minor">
+            <a:schemeClr val="lt1"/>
+          </a:fontRef>
+        </p:style>
+        <p:txBody>
+          <a:bodyPr rtlCol="0" anchor="ctr"/>
+          <a:lstStyle/>
+          <a:p>
+            <a:pPr algn="ctr"/>
+            <a:r>
+              <a:rPr lang="en-US" sz="1600" dirty="0">
+                <a:solidFill>
+                  <a:schemeClr val="tx1">
+                    <a:lumMod val="95000"/>
+                    <a:lumOff val="5000"/>
+                  </a:schemeClr>
+                </a:solidFill>
+                <a:latin typeface="Helvetica" pitchFamily="2" charset="0"/>
+              </a:rPr>
+              <a:t>API</a:t>
+            </a:r>
+          </a:p>
+        </p:txBody>
+      </p:sp>
+      <p:sp>
+        <p:nvSpPr>
+          <p:cNvPr id="25" name="Oval 24">
+            <a:extLst>
+              <a:ext uri="{FF2B5EF4-FFF2-40B4-BE49-F238E27FC236}">
+                <a16:creationId xmlns:a16="http://schemas.microsoft.com/office/drawing/2014/main" id="{B43FDEFD-B227-F941-AA22-221BB3154306}"/>
+              </a:ext>
+            </a:extLst>
+          </p:cNvPr>
+          <p:cNvSpPr/>
+          <p:nvPr/>
+        </p:nvSpPr>
+        <p:spPr>
+          <a:xfrm>
+            <a:off x="3871385" y="5077574"/>
+            <a:ext cx="756000" cy="756000"/>
+          </a:xfrm>
+          <a:prstGeom prst="ellipse">
+            <a:avLst/>
+          </a:prstGeom>
+          <a:solidFill>
+            <a:schemeClr val="accent5">
+              <a:lumMod val="20000"/>
+              <a:lumOff val="80000"/>
+            </a:schemeClr>
+          </a:solidFill>
+          <a:ln>
+            <a:solidFill>
+              <a:schemeClr val="tx1">
+                <a:lumMod val="85000"/>
+                <a:lumOff val="15000"/>
+              </a:schemeClr>
+            </a:solidFill>
+          </a:ln>
+        </p:spPr>
+        <p:style>
+          <a:lnRef idx="2">
+            <a:schemeClr val="accent1">
+              <a:shade val="50000"/>
+            </a:schemeClr>
+          </a:lnRef>
+          <a:fillRef idx="1">
+            <a:schemeClr val="accent1"/>
+          </a:fillRef>
+          <a:effectRef idx="0">
+            <a:schemeClr val="accent1"/>
+          </a:effectRef>
+          <a:fontRef idx="minor">
+            <a:schemeClr val="lt1"/>
+          </a:fontRef>
+        </p:style>
+        <p:txBody>
+          <a:bodyPr rtlCol="0" anchor="ctr"/>
+          <a:lstStyle/>
+          <a:p>
+            <a:pPr algn="ctr"/>
+            <a:r>
+              <a:rPr lang="en-US" sz="1600" dirty="0">
+                <a:solidFill>
+                  <a:schemeClr val="tx1">
+                    <a:lumMod val="95000"/>
+                    <a:lumOff val="5000"/>
+                  </a:schemeClr>
+                </a:solidFill>
+                <a:latin typeface="Helvetica" pitchFamily="2" charset="0"/>
+              </a:rPr>
+              <a:t>API</a:t>
+            </a:r>
+          </a:p>
+        </p:txBody>
+      </p:sp>
+      <p:sp>
+        <p:nvSpPr>
+          <p:cNvPr id="26" name="Oval 25">
+            <a:extLst>
+              <a:ext uri="{FF2B5EF4-FFF2-40B4-BE49-F238E27FC236}">
+                <a16:creationId xmlns:a16="http://schemas.microsoft.com/office/drawing/2014/main" id="{4555CAD9-FC59-864A-9D20-9431EB7E5CC1}"/>
+              </a:ext>
+            </a:extLst>
+          </p:cNvPr>
+          <p:cNvSpPr/>
+          <p:nvPr/>
+        </p:nvSpPr>
+        <p:spPr>
+          <a:xfrm>
+            <a:off x="2749189" y="4600236"/>
+            <a:ext cx="756000" cy="756000"/>
+          </a:xfrm>
+          <a:prstGeom prst="ellipse">
+            <a:avLst/>
+          </a:prstGeom>
+          <a:solidFill>
+            <a:schemeClr val="accent5">
+              <a:lumMod val="20000"/>
+              <a:lumOff val="80000"/>
+            </a:schemeClr>
+          </a:solidFill>
+          <a:ln>
+            <a:solidFill>
+              <a:schemeClr val="tx1">
+                <a:lumMod val="85000"/>
+                <a:lumOff val="15000"/>
+              </a:schemeClr>
+            </a:solidFill>
+          </a:ln>
+        </p:spPr>
+        <p:style>
+          <a:lnRef idx="2">
+            <a:schemeClr val="accent1">
+              <a:shade val="50000"/>
+            </a:schemeClr>
+          </a:lnRef>
+          <a:fillRef idx="1">
+            <a:schemeClr val="accent1"/>
+          </a:fillRef>
+          <a:effectRef idx="0">
+            <a:schemeClr val="accent1"/>
+          </a:effectRef>
+          <a:fontRef idx="minor">
+            <a:schemeClr val="lt1"/>
+          </a:fontRef>
+        </p:style>
+        <p:txBody>
+          <a:bodyPr rtlCol="0" anchor="ctr"/>
+          <a:lstStyle/>
+          <a:p>
+            <a:pPr algn="ctr"/>
+            <a:r>
+              <a:rPr lang="en-US" sz="1600" dirty="0">
+                <a:solidFill>
+                  <a:schemeClr val="tx1">
+                    <a:lumMod val="95000"/>
+                    <a:lumOff val="5000"/>
+                  </a:schemeClr>
+                </a:solidFill>
+                <a:latin typeface="Helvetica" pitchFamily="2" charset="0"/>
+              </a:rPr>
+              <a:t>API</a:t>
+            </a:r>
+          </a:p>
+        </p:txBody>
+      </p:sp>
+      <p:sp>
+        <p:nvSpPr>
+          <p:cNvPr id="27" name="Oval 26">
+            <a:extLst>
+              <a:ext uri="{FF2B5EF4-FFF2-40B4-BE49-F238E27FC236}">
+                <a16:creationId xmlns:a16="http://schemas.microsoft.com/office/drawing/2014/main" id="{92395893-4480-1D43-8DC2-47BD9AE8C4BD}"/>
+              </a:ext>
+            </a:extLst>
+          </p:cNvPr>
+          <p:cNvSpPr/>
+          <p:nvPr/>
+        </p:nvSpPr>
+        <p:spPr>
+          <a:xfrm>
+            <a:off x="6241356" y="4930987"/>
+            <a:ext cx="756000" cy="756000"/>
+          </a:xfrm>
+          <a:prstGeom prst="ellipse">
+            <a:avLst/>
+          </a:prstGeom>
+          <a:solidFill>
+            <a:schemeClr val="accent5">
+              <a:lumMod val="20000"/>
+              <a:lumOff val="80000"/>
+            </a:schemeClr>
+          </a:solidFill>
+          <a:ln>
+            <a:solidFill>
+              <a:schemeClr val="tx1">
+                <a:lumMod val="85000"/>
+                <a:lumOff val="15000"/>
+              </a:schemeClr>
+            </a:solidFill>
+          </a:ln>
+        </p:spPr>
+        <p:style>
+          <a:lnRef idx="2">
+            <a:schemeClr val="accent1">
+              <a:shade val="50000"/>
+            </a:schemeClr>
+          </a:lnRef>
+          <a:fillRef idx="1">
+            <a:schemeClr val="accent1"/>
+          </a:fillRef>
+          <a:effectRef idx="0">
+            <a:schemeClr val="accent1"/>
+          </a:effectRef>
+          <a:fontRef idx="minor">
+            <a:schemeClr val="lt1"/>
+          </a:fontRef>
+        </p:style>
+        <p:txBody>
+          <a:bodyPr rtlCol="0" anchor="ctr"/>
+          <a:lstStyle/>
+          <a:p>
+            <a:pPr algn="ctr"/>
+            <a:r>
+              <a:rPr lang="en-US" sz="1600" dirty="0">
+                <a:solidFill>
+                  <a:schemeClr val="tx1">
+                    <a:lumMod val="95000"/>
+                    <a:lumOff val="5000"/>
+                  </a:schemeClr>
+                </a:solidFill>
+                <a:latin typeface="Helvetica" pitchFamily="2" charset="0"/>
+              </a:rPr>
+              <a:t>API</a:t>
+            </a:r>
+          </a:p>
+        </p:txBody>
+      </p:sp>
       <p:sp>
         <p:nvSpPr>
           <p:cNvPr id="17" name="Oval 16">
@@ -3970,290 +4785,6 @@
           </a:p>
         </p:txBody>
       </p:sp>
-      <p:sp>
-        <p:nvSpPr>
-          <p:cNvPr id="24" name="Oval 23">
-            <a:extLst>
-              <a:ext uri="{FF2B5EF4-FFF2-40B4-BE49-F238E27FC236}">
-                <a16:creationId xmlns:a16="http://schemas.microsoft.com/office/drawing/2014/main" id="{15129A72-702A-534C-886A-630FDA14C184}"/>
-              </a:ext>
-            </a:extLst>
-          </p:cNvPr>
-          <p:cNvSpPr/>
-          <p:nvPr/>
-        </p:nvSpPr>
-        <p:spPr>
-          <a:xfrm>
-            <a:off x="5065732" y="4552987"/>
-            <a:ext cx="756000" cy="756000"/>
-          </a:xfrm>
-          <a:prstGeom prst="ellipse">
-            <a:avLst/>
-          </a:prstGeom>
-          <a:solidFill>
-            <a:schemeClr val="accent5">
-              <a:lumMod val="20000"/>
-              <a:lumOff val="80000"/>
-            </a:schemeClr>
-          </a:solidFill>
-          <a:ln>
-            <a:solidFill>
-              <a:schemeClr val="tx1">
-                <a:lumMod val="85000"/>
-                <a:lumOff val="15000"/>
-              </a:schemeClr>
-            </a:solidFill>
-          </a:ln>
-        </p:spPr>
-        <p:style>
-          <a:lnRef idx="2">
-            <a:schemeClr val="accent1">
-              <a:shade val="50000"/>
-            </a:schemeClr>
-          </a:lnRef>
-          <a:fillRef idx="1">
-            <a:schemeClr val="accent1"/>
-          </a:fillRef>
-          <a:effectRef idx="0">
-            <a:schemeClr val="accent1"/>
-          </a:effectRef>
-          <a:fontRef idx="minor">
-            <a:schemeClr val="lt1"/>
-          </a:fontRef>
-        </p:style>
-        <p:txBody>
-          <a:bodyPr rtlCol="0" anchor="ctr"/>
-          <a:lstStyle/>
-          <a:p>
-            <a:pPr algn="ctr"/>
-            <a:r>
-              <a:rPr lang="en-US" sz="1600" dirty="0">
-                <a:solidFill>
-                  <a:schemeClr val="tx1">
-                    <a:lumMod val="95000"/>
-                    <a:lumOff val="5000"/>
-                  </a:schemeClr>
-                </a:solidFill>
-                <a:latin typeface="Helvetica" pitchFamily="2" charset="0"/>
-              </a:rPr>
-              <a:t>API</a:t>
-            </a:r>
-          </a:p>
-        </p:txBody>
-      </p:sp>
-      <p:sp>
-        <p:nvSpPr>
-          <p:cNvPr id="25" name="Oval 24">
-            <a:extLst>
-              <a:ext uri="{FF2B5EF4-FFF2-40B4-BE49-F238E27FC236}">
-                <a16:creationId xmlns:a16="http://schemas.microsoft.com/office/drawing/2014/main" id="{B43FDEFD-B227-F941-AA22-221BB3154306}"/>
-              </a:ext>
-            </a:extLst>
-          </p:cNvPr>
-          <p:cNvSpPr/>
-          <p:nvPr/>
-        </p:nvSpPr>
-        <p:spPr>
-          <a:xfrm>
-            <a:off x="3871385" y="5077574"/>
-            <a:ext cx="756000" cy="756000"/>
-          </a:xfrm>
-          <a:prstGeom prst="ellipse">
-            <a:avLst/>
-          </a:prstGeom>
-          <a:solidFill>
-            <a:schemeClr val="accent5">
-              <a:lumMod val="20000"/>
-              <a:lumOff val="80000"/>
-            </a:schemeClr>
-          </a:solidFill>
-          <a:ln>
-            <a:solidFill>
-              <a:schemeClr val="tx1">
-                <a:lumMod val="85000"/>
-                <a:lumOff val="15000"/>
-              </a:schemeClr>
-            </a:solidFill>
-          </a:ln>
-        </p:spPr>
-        <p:style>
-          <a:lnRef idx="2">
-            <a:schemeClr val="accent1">
-              <a:shade val="50000"/>
-            </a:schemeClr>
-          </a:lnRef>
-          <a:fillRef idx="1">
-            <a:schemeClr val="accent1"/>
-          </a:fillRef>
-          <a:effectRef idx="0">
-            <a:schemeClr val="accent1"/>
-          </a:effectRef>
-          <a:fontRef idx="minor">
-            <a:schemeClr val="lt1"/>
-          </a:fontRef>
-        </p:style>
-        <p:txBody>
-          <a:bodyPr rtlCol="0" anchor="ctr"/>
-          <a:lstStyle/>
-          <a:p>
-            <a:pPr algn="ctr"/>
-            <a:r>
-              <a:rPr lang="en-US" sz="1600" dirty="0">
-                <a:solidFill>
-                  <a:schemeClr val="tx1">
-                    <a:lumMod val="95000"/>
-                    <a:lumOff val="5000"/>
-                  </a:schemeClr>
-                </a:solidFill>
-                <a:latin typeface="Helvetica" pitchFamily="2" charset="0"/>
-              </a:rPr>
-              <a:t>API</a:t>
-            </a:r>
-          </a:p>
-        </p:txBody>
-      </p:sp>
-      <p:sp>
-        <p:nvSpPr>
-          <p:cNvPr id="26" name="Oval 25">
-            <a:extLst>
-              <a:ext uri="{FF2B5EF4-FFF2-40B4-BE49-F238E27FC236}">
-                <a16:creationId xmlns:a16="http://schemas.microsoft.com/office/drawing/2014/main" id="{4555CAD9-FC59-864A-9D20-9431EB7E5CC1}"/>
-              </a:ext>
-            </a:extLst>
-          </p:cNvPr>
-          <p:cNvSpPr/>
-          <p:nvPr/>
-        </p:nvSpPr>
-        <p:spPr>
-          <a:xfrm>
-            <a:off x="2749189" y="4600236"/>
-            <a:ext cx="756000" cy="756000"/>
-          </a:xfrm>
-          <a:prstGeom prst="ellipse">
-            <a:avLst/>
-          </a:prstGeom>
-          <a:solidFill>
-            <a:schemeClr val="accent5">
-              <a:lumMod val="20000"/>
-              <a:lumOff val="80000"/>
-            </a:schemeClr>
-          </a:solidFill>
-          <a:ln>
-            <a:solidFill>
-              <a:schemeClr val="tx1">
-                <a:lumMod val="85000"/>
-                <a:lumOff val="15000"/>
-              </a:schemeClr>
-            </a:solidFill>
-          </a:ln>
-        </p:spPr>
-        <p:style>
-          <a:lnRef idx="2">
-            <a:schemeClr val="accent1">
-              <a:shade val="50000"/>
-            </a:schemeClr>
-          </a:lnRef>
-          <a:fillRef idx="1">
-            <a:schemeClr val="accent1"/>
-          </a:fillRef>
-          <a:effectRef idx="0">
-            <a:schemeClr val="accent1"/>
-          </a:effectRef>
-          <a:fontRef idx="minor">
-            <a:schemeClr val="lt1"/>
-          </a:fontRef>
-        </p:style>
-        <p:txBody>
-          <a:bodyPr rtlCol="0" anchor="ctr"/>
-          <a:lstStyle/>
-          <a:p>
-            <a:pPr algn="ctr"/>
-            <a:r>
-              <a:rPr lang="en-US" sz="1600" dirty="0">
-                <a:solidFill>
-                  <a:schemeClr val="tx1">
-                    <a:lumMod val="95000"/>
-                    <a:lumOff val="5000"/>
-                  </a:schemeClr>
-                </a:solidFill>
-                <a:latin typeface="Helvetica" pitchFamily="2" charset="0"/>
-              </a:rPr>
-              <a:t>API</a:t>
-            </a:r>
-          </a:p>
-        </p:txBody>
-      </p:sp>
-      <p:sp>
-        <p:nvSpPr>
-          <p:cNvPr id="27" name="Oval 26">
-            <a:extLst>
-              <a:ext uri="{FF2B5EF4-FFF2-40B4-BE49-F238E27FC236}">
-                <a16:creationId xmlns:a16="http://schemas.microsoft.com/office/drawing/2014/main" id="{92395893-4480-1D43-8DC2-47BD9AE8C4BD}"/>
-              </a:ext>
-            </a:extLst>
-          </p:cNvPr>
-          <p:cNvSpPr/>
-          <p:nvPr/>
-        </p:nvSpPr>
-        <p:spPr>
-          <a:xfrm>
-            <a:off x="6241356" y="4930987"/>
-            <a:ext cx="756000" cy="756000"/>
-          </a:xfrm>
-          <a:prstGeom prst="ellipse">
-            <a:avLst/>
-          </a:prstGeom>
-          <a:solidFill>
-            <a:schemeClr val="accent5">
-              <a:lumMod val="20000"/>
-              <a:lumOff val="80000"/>
-            </a:schemeClr>
-          </a:solidFill>
-          <a:ln>
-            <a:solidFill>
-              <a:schemeClr val="tx1">
-                <a:lumMod val="85000"/>
-                <a:lumOff val="15000"/>
-              </a:schemeClr>
-            </a:solidFill>
-          </a:ln>
-        </p:spPr>
-        <p:style>
-          <a:lnRef idx="2">
-            <a:schemeClr val="accent1">
-              <a:shade val="50000"/>
-            </a:schemeClr>
-          </a:lnRef>
-          <a:fillRef idx="1">
-            <a:schemeClr val="accent1"/>
-          </a:fillRef>
-          <a:effectRef idx="0">
-            <a:schemeClr val="accent1"/>
-          </a:effectRef>
-          <a:fontRef idx="minor">
-            <a:schemeClr val="lt1"/>
-          </a:fontRef>
-        </p:style>
-        <p:txBody>
-          <a:bodyPr rtlCol="0" anchor="ctr"/>
-          <a:lstStyle/>
-          <a:p>
-            <a:pPr algn="ctr"/>
-            <a:r>
-              <a:rPr lang="en-US" sz="1600" dirty="0">
-                <a:solidFill>
-                  <a:schemeClr val="tx1">
-                    <a:lumMod val="95000"/>
-                    <a:lumOff val="5000"/>
-                  </a:schemeClr>
-                </a:solidFill>
-                <a:latin typeface="Helvetica" pitchFamily="2" charset="0"/>
-              </a:rPr>
-              <a:t>API</a:t>
-            </a:r>
-          </a:p>
-        </p:txBody>
-      </p:sp>
     </p:spTree>
     <p:extLst>
       <p:ext uri="{BB962C8B-B14F-4D97-AF65-F5344CB8AC3E}">
@@ -4285,23 +4816,23 @@
                             </p:stCondLst>
                             <p:childTnLst>
                               <p:par>
-                                <p:cTn id="5" presetID="0" presetClass="path" presetSubtype="0" accel="50000" decel="50000" autoRev="1" fill="hold" grpId="0" nodeType="clickEffect">
+                                <p:cTn id="5" presetID="42" presetClass="path" presetSubtype="0" accel="50000" decel="50000" autoRev="1" fill="hold" nodeType="clickEffect">
                                   <p:stCondLst>
                                     <p:cond delay="0"/>
                                   </p:stCondLst>
                                   <p:childTnLst>
-                                    <p:animMotion origin="layout" path="M -6.25E-7 3.33333E-6 L -6.25E-7 0.2625 " pathEditMode="relative" rAng="0" ptsTypes="AA">
+                                    <p:animMotion origin="layout" path="M 5E-6 1.48148E-6 L 5E-6 0.25 " pathEditMode="relative" rAng="0" ptsTypes="AA">
                                       <p:cBhvr>
                                         <p:cTn id="6" dur="2000" fill="hold"/>
                                         <p:tgtEl>
-                                          <p:spTgt spid="15"/>
+                                          <p:spTgt spid="58"/>
                                         </p:tgtEl>
                                         <p:attrNameLst>
                                           <p:attrName>ppt_x</p:attrName>
                                           <p:attrName>ppt_y</p:attrName>
                                         </p:attrNameLst>
                                       </p:cBhvr>
-                                      <p:rCtr x="0" y="13125"/>
+                                      <p:rCtr x="0" y="12500"/>
                                     </p:animMotion>
                                   </p:childTnLst>
                                 </p:cTn>
@@ -4333,9 +4864,6 @@
         </p:cTn>
       </p:par>
     </p:tnLst>
-    <p:bldLst>
-      <p:bldP spid="15" grpId="0" animBg="1"/>
-    </p:bldLst>
   </p:timing>
 </p:sld>
 </file>

--- a/nginx-2019/img/api-internal-external.pptx
+++ b/nginx-2019/img/api-internal-external.pptx
@@ -259,7 +259,7 @@
           <a:p>
             <a:fld id="{D4ECE601-2135-CC44-841A-C31560BEC2A6}" type="datetimeFigureOut">
               <a:rPr lang="en-US" smtClean="0"/>
-              <a:t>9/3/19</a:t>
+              <a:t>9/4/19</a:t>
             </a:fld>
             <a:endParaRPr lang="en-US"/>
           </a:p>
@@ -457,7 +457,7 @@
           <a:p>
             <a:fld id="{D4ECE601-2135-CC44-841A-C31560BEC2A6}" type="datetimeFigureOut">
               <a:rPr lang="en-US" smtClean="0"/>
-              <a:t>9/3/19</a:t>
+              <a:t>9/4/19</a:t>
             </a:fld>
             <a:endParaRPr lang="en-US"/>
           </a:p>
@@ -665,7 +665,7 @@
           <a:p>
             <a:fld id="{D4ECE601-2135-CC44-841A-C31560BEC2A6}" type="datetimeFigureOut">
               <a:rPr lang="en-US" smtClean="0"/>
-              <a:t>9/3/19</a:t>
+              <a:t>9/4/19</a:t>
             </a:fld>
             <a:endParaRPr lang="en-US"/>
           </a:p>
@@ -863,7 +863,7 @@
           <a:p>
             <a:fld id="{D4ECE601-2135-CC44-841A-C31560BEC2A6}" type="datetimeFigureOut">
               <a:rPr lang="en-US" smtClean="0"/>
-              <a:t>9/3/19</a:t>
+              <a:t>9/4/19</a:t>
             </a:fld>
             <a:endParaRPr lang="en-US"/>
           </a:p>
@@ -1138,7 +1138,7 @@
           <a:p>
             <a:fld id="{D4ECE601-2135-CC44-841A-C31560BEC2A6}" type="datetimeFigureOut">
               <a:rPr lang="en-US" smtClean="0"/>
-              <a:t>9/3/19</a:t>
+              <a:t>9/4/19</a:t>
             </a:fld>
             <a:endParaRPr lang="en-US"/>
           </a:p>
@@ -1403,7 +1403,7 @@
           <a:p>
             <a:fld id="{D4ECE601-2135-CC44-841A-C31560BEC2A6}" type="datetimeFigureOut">
               <a:rPr lang="en-US" smtClean="0"/>
-              <a:t>9/3/19</a:t>
+              <a:t>9/4/19</a:t>
             </a:fld>
             <a:endParaRPr lang="en-US"/>
           </a:p>
@@ -1815,7 +1815,7 @@
           <a:p>
             <a:fld id="{D4ECE601-2135-CC44-841A-C31560BEC2A6}" type="datetimeFigureOut">
               <a:rPr lang="en-US" smtClean="0"/>
-              <a:t>9/3/19</a:t>
+              <a:t>9/4/19</a:t>
             </a:fld>
             <a:endParaRPr lang="en-US"/>
           </a:p>
@@ -1956,7 +1956,7 @@
           <a:p>
             <a:fld id="{D4ECE601-2135-CC44-841A-C31560BEC2A6}" type="datetimeFigureOut">
               <a:rPr lang="en-US" smtClean="0"/>
-              <a:t>9/3/19</a:t>
+              <a:t>9/4/19</a:t>
             </a:fld>
             <a:endParaRPr lang="en-US"/>
           </a:p>
@@ -2069,7 +2069,7 @@
           <a:p>
             <a:fld id="{D4ECE601-2135-CC44-841A-C31560BEC2A6}" type="datetimeFigureOut">
               <a:rPr lang="en-US" smtClean="0"/>
-              <a:t>9/3/19</a:t>
+              <a:t>9/4/19</a:t>
             </a:fld>
             <a:endParaRPr lang="en-US"/>
           </a:p>
@@ -2380,7 +2380,7 @@
           <a:p>
             <a:fld id="{D4ECE601-2135-CC44-841A-C31560BEC2A6}" type="datetimeFigureOut">
               <a:rPr lang="en-US" smtClean="0"/>
-              <a:t>9/3/19</a:t>
+              <a:t>9/4/19</a:t>
             </a:fld>
             <a:endParaRPr lang="en-US"/>
           </a:p>
@@ -2668,7 +2668,7 @@
           <a:p>
             <a:fld id="{D4ECE601-2135-CC44-841A-C31560BEC2A6}" type="datetimeFigureOut">
               <a:rPr lang="en-US" smtClean="0"/>
-              <a:t>9/3/19</a:t>
+              <a:t>9/4/19</a:t>
             </a:fld>
             <a:endParaRPr lang="en-US"/>
           </a:p>
@@ -2909,7 +2909,7 @@
           <a:p>
             <a:fld id="{D4ECE601-2135-CC44-841A-C31560BEC2A6}" type="datetimeFigureOut">
               <a:rPr lang="en-US" smtClean="0"/>
-              <a:t>9/3/19</a:t>
+              <a:t>9/4/19</a:t>
             </a:fld>
             <a:endParaRPr lang="en-US"/>
           </a:p>
@@ -3524,59 +3524,12 @@
           </a:p>
         </p:txBody>
       </p:sp>
-      <p:cxnSp>
-        <p:nvCxnSpPr>
-          <p:cNvPr id="29" name="Straight Connector 28">
-            <a:extLst>
-              <a:ext uri="{FF2B5EF4-FFF2-40B4-BE49-F238E27FC236}">
-                <a16:creationId xmlns:a16="http://schemas.microsoft.com/office/drawing/2014/main" id="{D4F2D5CA-F974-FA40-935F-0E5D81873362}"/>
-              </a:ext>
-            </a:extLst>
-          </p:cNvPr>
-          <p:cNvCxnSpPr>
-            <a:cxnSpLocks/>
-            <a:stCxn id="25" idx="2"/>
-            <a:endCxn id="26" idx="5"/>
-          </p:cNvCxnSpPr>
-          <p:nvPr/>
-        </p:nvCxnSpPr>
-        <p:spPr>
-          <a:xfrm flipH="1" flipV="1">
-            <a:off x="3394475" y="5245522"/>
-            <a:ext cx="476910" cy="210052"/>
-          </a:xfrm>
-          <a:prstGeom prst="line">
-            <a:avLst/>
-          </a:prstGeom>
-          <a:ln w="28575">
-            <a:solidFill>
-              <a:schemeClr val="accent1">
-                <a:lumMod val="50000"/>
-              </a:schemeClr>
-            </a:solidFill>
-          </a:ln>
-        </p:spPr>
-        <p:style>
-          <a:lnRef idx="1">
-            <a:schemeClr val="accent1"/>
-          </a:lnRef>
-          <a:fillRef idx="0">
-            <a:schemeClr val="accent1"/>
-          </a:fillRef>
-          <a:effectRef idx="0">
-            <a:schemeClr val="accent1"/>
-          </a:effectRef>
-          <a:fontRef idx="minor">
-            <a:schemeClr val="tx1"/>
-          </a:fontRef>
-        </p:style>
-      </p:cxnSp>
       <p:grpSp>
         <p:nvGrpSpPr>
-          <p:cNvPr id="58" name="Group 57">
-            <a:extLst>
-              <a:ext uri="{FF2B5EF4-FFF2-40B4-BE49-F238E27FC236}">
-                <a16:creationId xmlns:a16="http://schemas.microsoft.com/office/drawing/2014/main" id="{7404B23F-BEBB-3040-A7B4-A8F3756C2B25}"/>
+          <p:cNvPr id="10" name="Group 9">
+            <a:extLst>
+              <a:ext uri="{FF2B5EF4-FFF2-40B4-BE49-F238E27FC236}">
+                <a16:creationId xmlns:a16="http://schemas.microsoft.com/office/drawing/2014/main" id="{62C3E988-F93B-0A48-A949-F5D985C938BC}"/>
               </a:ext>
             </a:extLst>
           </p:cNvPr>
@@ -3585,12 +3538,58 @@
         </p:nvGrpSpPr>
         <p:grpSpPr>
           <a:xfrm>
-            <a:off x="2263399" y="801955"/>
-            <a:ext cx="7588902" cy="2078600"/>
-            <a:chOff x="4063639" y="764836"/>
-            <a:chExt cx="7588902" cy="2078600"/>
+            <a:off x="2257410" y="774869"/>
+            <a:ext cx="7666791" cy="2041481"/>
+            <a:chOff x="2257410" y="774869"/>
+            <a:chExt cx="7666791" cy="2041481"/>
           </a:xfrm>
         </p:grpSpPr>
+        <p:cxnSp>
+          <p:nvCxnSpPr>
+            <p:cNvPr id="31" name="Straight Connector 30">
+              <a:extLst>
+                <a:ext uri="{FF2B5EF4-FFF2-40B4-BE49-F238E27FC236}">
+                  <a16:creationId xmlns:a16="http://schemas.microsoft.com/office/drawing/2014/main" id="{FCE346A9-F570-7742-929A-874D507BCE04}"/>
+                </a:ext>
+              </a:extLst>
+            </p:cNvPr>
+            <p:cNvCxnSpPr>
+              <a:cxnSpLocks/>
+            </p:cNvCxnSpPr>
+            <p:nvPr/>
+          </p:nvCxnSpPr>
+          <p:spPr>
+            <a:xfrm flipH="1">
+              <a:off x="8941184" y="2557912"/>
+              <a:ext cx="983017" cy="0"/>
+            </a:xfrm>
+            <a:prstGeom prst="line">
+              <a:avLst/>
+            </a:prstGeom>
+            <a:ln w="76200">
+              <a:solidFill>
+                <a:schemeClr val="accent1">
+                  <a:lumMod val="20000"/>
+                  <a:lumOff val="80000"/>
+                </a:schemeClr>
+              </a:solidFill>
+            </a:ln>
+          </p:spPr>
+          <p:style>
+            <a:lnRef idx="1">
+              <a:schemeClr val="accent1"/>
+            </a:lnRef>
+            <a:fillRef idx="0">
+              <a:schemeClr val="accent1"/>
+            </a:fillRef>
+            <a:effectRef idx="0">
+              <a:schemeClr val="accent1"/>
+            </a:effectRef>
+            <a:fontRef idx="minor">
+              <a:schemeClr val="tx1"/>
+            </a:fontRef>
+          </p:style>
+        </p:cxnSp>
         <p:sp>
           <p:nvSpPr>
             <p:cNvPr id="15" name="Rectangle 14">
@@ -3605,7 +3604,7 @@
           </p:nvSpPr>
           <p:spPr>
             <a:xfrm>
-              <a:off x="4063639" y="764836"/>
+              <a:off x="2257410" y="774869"/>
               <a:ext cx="5400000" cy="1800000"/>
             </a:xfrm>
             <a:prstGeom prst="rect">
@@ -3661,9 +3660,9 @@
             <p:nvPr/>
           </p:nvCxnSpPr>
           <p:spPr>
-            <a:xfrm flipV="1">
-              <a:off x="4063639" y="2544064"/>
-              <a:ext cx="7588902" cy="6924"/>
+            <a:xfrm>
+              <a:off x="2257410" y="2561021"/>
+              <a:ext cx="6705237" cy="0"/>
             </a:xfrm>
             <a:prstGeom prst="line">
               <a:avLst/>
@@ -3694,10 +3693,10 @@
         </p:cxnSp>
         <p:pic>
           <p:nvPicPr>
-            <p:cNvPr id="55" name="Graphic 54" descr="Money">
+            <p:cNvPr id="2" name="Picture 1">
               <a:extLst>
                 <a:ext uri="{FF2B5EF4-FFF2-40B4-BE49-F238E27FC236}">
-                  <a16:creationId xmlns:a16="http://schemas.microsoft.com/office/drawing/2014/main" id="{9312488B-E8F2-014C-950D-16760B547CAF}"/>
+                  <a16:creationId xmlns:a16="http://schemas.microsoft.com/office/drawing/2014/main" id="{5227EE1D-78B0-E642-A988-208828351366}"/>
                 </a:ext>
               </a:extLst>
             </p:cNvPr>
@@ -3707,21 +3706,15 @@
             <p:nvPr/>
           </p:nvPicPr>
           <p:blipFill>
-            <a:blip r:embed="rId2">
-              <a:extLst>
-                <a:ext uri="{96DAC541-7B7A-43D3-8B79-37D633B846F1}">
-                  <asvg:svgBlip xmlns:asvg="http://schemas.microsoft.com/office/drawing/2016/SVG/main" r:embed="rId3"/>
-                </a:ext>
-              </a:extLst>
-            </a:blip>
+            <a:blip r:embed="rId2"/>
             <a:stretch>
               <a:fillRect/>
             </a:stretch>
           </p:blipFill>
           <p:spPr>
             <a:xfrm>
-              <a:off x="10820119" y="2165008"/>
-              <a:ext cx="678428" cy="678428"/>
+              <a:off x="9054693" y="2342590"/>
+              <a:ext cx="756000" cy="473760"/>
             </a:xfrm>
             <a:prstGeom prst="rect">
               <a:avLst/>
@@ -3729,70 +3722,53 @@
           </p:spPr>
         </p:pic>
       </p:grpSp>
-      <p:sp>
-        <p:nvSpPr>
-          <p:cNvPr id="6" name="Frame 5">
-            <a:extLst>
-              <a:ext uri="{FF2B5EF4-FFF2-40B4-BE49-F238E27FC236}">
-                <a16:creationId xmlns:a16="http://schemas.microsoft.com/office/drawing/2014/main" id="{4A7ECB69-1D06-4240-9868-F6B8CAF1EEB5}"/>
-              </a:ext>
-            </a:extLst>
-          </p:cNvPr>
-          <p:cNvSpPr/>
+      <p:cxnSp>
+        <p:nvCxnSpPr>
+          <p:cNvPr id="29" name="Straight Connector 28">
+            <a:extLst>
+              <a:ext uri="{FF2B5EF4-FFF2-40B4-BE49-F238E27FC236}">
+                <a16:creationId xmlns:a16="http://schemas.microsoft.com/office/drawing/2014/main" id="{D4F2D5CA-F974-FA40-935F-0E5D81873362}"/>
+              </a:ext>
+            </a:extLst>
+          </p:cNvPr>
+          <p:cNvCxnSpPr>
+            <a:cxnSpLocks/>
+            <a:stCxn id="25" idx="2"/>
+            <a:endCxn id="26" idx="5"/>
+          </p:cNvCxnSpPr>
           <p:nvPr/>
-        </p:nvSpPr>
+        </p:nvCxnSpPr>
         <p:spPr>
-          <a:xfrm>
-            <a:off x="2257413" y="757912"/>
-            <a:ext cx="5399999" cy="5399326"/>
+          <a:xfrm flipH="1" flipV="1">
+            <a:off x="3394475" y="5245522"/>
+            <a:ext cx="476910" cy="210052"/>
           </a:xfrm>
-          <a:prstGeom prst="frame">
-            <a:avLst>
-              <a:gd name="adj1" fmla="val 2031"/>
-            </a:avLst>
+          <a:prstGeom prst="line">
+            <a:avLst/>
           </a:prstGeom>
-          <a:solidFill>
-            <a:schemeClr val="accent5">
-              <a:lumMod val="50000"/>
-            </a:schemeClr>
-          </a:solidFill>
-          <a:ln>
+          <a:ln w="28575">
             <a:solidFill>
-              <a:schemeClr val="accent5">
+              <a:schemeClr val="accent1">
                 <a:lumMod val="50000"/>
               </a:schemeClr>
             </a:solidFill>
           </a:ln>
         </p:spPr>
         <p:style>
-          <a:lnRef idx="2">
-            <a:schemeClr val="accent1">
-              <a:shade val="50000"/>
-            </a:schemeClr>
+          <a:lnRef idx="1">
+            <a:schemeClr val="accent1"/>
           </a:lnRef>
-          <a:fillRef idx="1">
+          <a:fillRef idx="0">
             <a:schemeClr val="accent1"/>
           </a:fillRef>
           <a:effectRef idx="0">
             <a:schemeClr val="accent1"/>
           </a:effectRef>
           <a:fontRef idx="minor">
-            <a:schemeClr val="lt1"/>
+            <a:schemeClr val="tx1"/>
           </a:fontRef>
         </p:style>
-        <p:txBody>
-          <a:bodyPr rtlCol="0" anchor="ctr"/>
-          <a:lstStyle/>
-          <a:p>
-            <a:pPr algn="ctr"/>
-            <a:endParaRPr lang="en-US">
-              <a:solidFill>
-                <a:schemeClr val="tx1"/>
-              </a:solidFill>
-            </a:endParaRPr>
-          </a:p>
-        </p:txBody>
-      </p:sp>
+      </p:cxnSp>
       <p:cxnSp>
         <p:nvCxnSpPr>
           <p:cNvPr id="9" name="Straight Connector 8">
@@ -4785,6 +4761,70 @@
           </a:p>
         </p:txBody>
       </p:sp>
+      <p:sp>
+        <p:nvSpPr>
+          <p:cNvPr id="6" name="Frame 5">
+            <a:extLst>
+              <a:ext uri="{FF2B5EF4-FFF2-40B4-BE49-F238E27FC236}">
+                <a16:creationId xmlns:a16="http://schemas.microsoft.com/office/drawing/2014/main" id="{4A7ECB69-1D06-4240-9868-F6B8CAF1EEB5}"/>
+              </a:ext>
+            </a:extLst>
+          </p:cNvPr>
+          <p:cNvSpPr/>
+          <p:nvPr/>
+        </p:nvSpPr>
+        <p:spPr>
+          <a:xfrm>
+            <a:off x="2257413" y="757912"/>
+            <a:ext cx="5399999" cy="5399326"/>
+          </a:xfrm>
+          <a:prstGeom prst="frame">
+            <a:avLst>
+              <a:gd name="adj1" fmla="val 2031"/>
+            </a:avLst>
+          </a:prstGeom>
+          <a:solidFill>
+            <a:schemeClr val="accent5">
+              <a:lumMod val="50000"/>
+            </a:schemeClr>
+          </a:solidFill>
+          <a:ln>
+            <a:solidFill>
+              <a:schemeClr val="accent5">
+                <a:lumMod val="50000"/>
+              </a:schemeClr>
+            </a:solidFill>
+          </a:ln>
+        </p:spPr>
+        <p:style>
+          <a:lnRef idx="2">
+            <a:schemeClr val="accent1">
+              <a:shade val="50000"/>
+            </a:schemeClr>
+          </a:lnRef>
+          <a:fillRef idx="1">
+            <a:schemeClr val="accent1"/>
+          </a:fillRef>
+          <a:effectRef idx="0">
+            <a:schemeClr val="accent1"/>
+          </a:effectRef>
+          <a:fontRef idx="minor">
+            <a:schemeClr val="lt1"/>
+          </a:fontRef>
+        </p:style>
+        <p:txBody>
+          <a:bodyPr rtlCol="0" anchor="ctr"/>
+          <a:lstStyle/>
+          <a:p>
+            <a:pPr algn="ctr"/>
+            <a:endParaRPr lang="en-US">
+              <a:solidFill>
+                <a:schemeClr val="tx1"/>
+              </a:solidFill>
+            </a:endParaRPr>
+          </a:p>
+        </p:txBody>
+      </p:sp>
     </p:spTree>
     <p:extLst>
       <p:ext uri="{BB962C8B-B14F-4D97-AF65-F5344CB8AC3E}">
@@ -4816,23 +4856,29 @@
                             </p:stCondLst>
                             <p:childTnLst>
                               <p:par>
-                                <p:cTn id="5" presetID="42" presetClass="path" presetSubtype="0" accel="50000" decel="50000" autoRev="1" fill="hold" nodeType="clickEffect">
+                                <p:cTn id="5" presetID="42" presetClass="path" presetSubtype="0" repeatCount="indefinite" accel="50000" decel="50000" autoRev="1" fill="hold" nodeType="clickEffect">
                                   <p:stCondLst>
                                     <p:cond delay="0"/>
                                   </p:stCondLst>
+                                  <p:endCondLst>
+                                    <p:cond evt="onNext" delay="0">
+                                      <p:tgtEl>
+                                        <p:sldTgt/>
+                                      </p:tgtEl>
+                                    </p:cond>
+                                  </p:endCondLst>
                                   <p:childTnLst>
-                                    <p:animMotion origin="layout" path="M 5E-6 1.48148E-6 L 5E-6 0.25 " pathEditMode="relative" rAng="0" ptsTypes="AA">
+                                    <p:animMotion origin="layout" path="M 0 0 L 0 0.25 E" pathEditMode="relative" ptsTypes="">
                                       <p:cBhvr>
                                         <p:cTn id="6" dur="2000" fill="hold"/>
                                         <p:tgtEl>
-                                          <p:spTgt spid="58"/>
+                                          <p:spTgt spid="10"/>
                                         </p:tgtEl>
                                         <p:attrNameLst>
                                           <p:attrName>ppt_x</p:attrName>
                                           <p:attrName>ppt_y</p:attrName>
                                         </p:attrNameLst>
                                       </p:cBhvr>
-                                      <p:rCtr x="0" y="12500"/>
                                     </p:animMotion>
                                   </p:childTnLst>
                                 </p:cTn>
